--- a/Project 2 Presentation.pptx
+++ b/Project 2 Presentation.pptx
@@ -21488,7 +21488,7 @@
             </a:pPr>
             <a:r>
               <a:rPr lang="en-US" sz="1600" dirty="0"/>
-              <a:t>A combination of Web Scraping and Leaflet or </a:t>
+              <a:t>Web Scraping and Leaflet or </a:t>
             </a:r>
             <a:r>
               <a:rPr lang="en-US" sz="1600" dirty="0" err="1"/>
@@ -21523,26 +21523,24 @@
             <a:endParaRPr lang="en-US" sz="2000" dirty="0"/>
           </a:p>
           <a:p>
-            <a:pPr marL="0" indent="0">
+            <a:pPr lvl="1">
               <a:lnSpc>
                 <a:spcPct val="100000"/>
               </a:lnSpc>
               <a:spcBef>
                 <a:spcPts val="0"/>
               </a:spcBef>
-              <a:buNone/>
             </a:pPr>
-            <a:endParaRPr lang="en-US" sz="1600" dirty="0"/>
+            <a:endParaRPr lang="en-US" sz="2000" dirty="0"/>
           </a:p>
           <a:p>
-            <a:pPr marL="342900" indent="-342900">
+            <a:pPr lvl="1">
               <a:lnSpc>
                 <a:spcPct val="100000"/>
               </a:lnSpc>
               <a:spcBef>
                 <a:spcPts val="0"/>
               </a:spcBef>
-              <a:buAutoNum type="arabicPeriod"/>
             </a:pPr>
             <a:r>
               <a:rPr lang="en-US" sz="1600" dirty="0"/>
@@ -21554,30 +21552,28 @@
             </a:r>
           </a:p>
           <a:p>
-            <a:pPr marL="342900" indent="-342900">
+            <a:pPr lvl="1">
               <a:lnSpc>
                 <a:spcPct val="100000"/>
               </a:lnSpc>
               <a:spcBef>
                 <a:spcPts val="0"/>
               </a:spcBef>
-              <a:buAutoNum type="arabicPeriod"/>
             </a:pPr>
-            <a:endParaRPr lang="en-US" sz="1600" dirty="0"/>
+            <a:endParaRPr lang="en-US" sz="1600" b="1" dirty="0"/>
           </a:p>
           <a:p>
-            <a:pPr marL="342900" indent="-342900">
+            <a:pPr lvl="1">
               <a:lnSpc>
                 <a:spcPct val="100000"/>
               </a:lnSpc>
               <a:spcBef>
                 <a:spcPts val="0"/>
               </a:spcBef>
-              <a:buAutoNum type="arabicPeriod"/>
             </a:pPr>
             <a:r>
               <a:rPr lang="en-US" sz="1600" dirty="0"/>
-              <a:t>At least 100 records.  </a:t>
+              <a:t>Has at least 100 records.  </a:t>
             </a:r>
             <a:r>
               <a:rPr lang="en-US" sz="1600" b="1" dirty="0"/>
@@ -21585,30 +21581,28 @@
             </a:r>
           </a:p>
           <a:p>
-            <a:pPr marL="342900" indent="-342900">
+            <a:pPr lvl="1">
               <a:lnSpc>
                 <a:spcPct val="100000"/>
               </a:lnSpc>
               <a:spcBef>
                 <a:spcPts val="0"/>
               </a:spcBef>
-              <a:buAutoNum type="arabicPeriod"/>
             </a:pPr>
-            <a:endParaRPr lang="en-US" sz="1600" dirty="0"/>
+            <a:endParaRPr lang="en-US" sz="1600" b="1" dirty="0"/>
           </a:p>
           <a:p>
-            <a:pPr marL="342900" indent="-342900">
+            <a:pPr lvl="1">
               <a:lnSpc>
                 <a:spcPct val="100000"/>
               </a:lnSpc>
               <a:spcBef>
                 <a:spcPts val="0"/>
               </a:spcBef>
-              <a:buAutoNum type="arabicPeriod"/>
             </a:pPr>
             <a:r>
               <a:rPr lang="en-US" sz="1600" dirty="0"/>
-              <a:t>User-driven interaction (e.g. menus, dropdowns, textboxes, etc.). </a:t>
+              <a:t>Has ser-driven interaction (e.g. menus, dropdowns, textboxes, etc.). </a:t>
             </a:r>
             <a:r>
               <a:rPr lang="en-US" sz="1600" b="1" dirty="0"/>
@@ -21616,26 +21610,24 @@
             </a:r>
           </a:p>
           <a:p>
-            <a:pPr marL="342900" indent="-342900">
+            <a:pPr lvl="1">
               <a:lnSpc>
                 <a:spcPct val="100000"/>
               </a:lnSpc>
               <a:spcBef>
                 <a:spcPts val="0"/>
               </a:spcBef>
-              <a:buAutoNum type="arabicPeriod"/>
             </a:pPr>
-            <a:endParaRPr lang="en-US" sz="1600" dirty="0"/>
+            <a:endParaRPr lang="en-US" sz="1600" b="1" dirty="0"/>
           </a:p>
           <a:p>
-            <a:pPr marL="342900" indent="-342900">
+            <a:pPr lvl="1">
               <a:lnSpc>
                 <a:spcPct val="100000"/>
               </a:lnSpc>
               <a:spcBef>
                 <a:spcPts val="0"/>
               </a:spcBef>
-              <a:buAutoNum type="arabicPeriod"/>
             </a:pPr>
             <a:r>
               <a:rPr lang="en-US" sz="1600" dirty="0"/>
@@ -21922,7 +21914,7 @@
           <a:p>
             <a:r>
               <a:rPr lang="en-US" dirty="0"/>
-              <a:t>Properties analysis</a:t>
+              <a:t>Documents analysis</a:t>
             </a:r>
           </a:p>
         </p:txBody>
@@ -21970,8 +21962,8 @@
         </p:nvSpPr>
         <p:spPr>
           <a:xfrm>
-            <a:off x="730600" y="1997839"/>
-            <a:ext cx="4656155" cy="3970318"/>
+            <a:off x="776550" y="1820821"/>
+            <a:ext cx="4656155" cy="4616648"/>
           </a:xfrm>
           <a:prstGeom prst="rect">
             <a:avLst/>
@@ -21999,15 +21991,45 @@
           <a:p>
             <a:r>
               <a:rPr lang="en-US" dirty="0"/>
-              <a:t>In this case, academic publications for metal foams are classified by the materials used to make the foam (Aluminum, Copper, </a:t>
+              <a:t>In this case, academic publications for metal foams are classified by:</a:t>
+            </a:r>
+          </a:p>
+          <a:p>
+            <a:endParaRPr lang="en-US" dirty="0"/>
+          </a:p>
+          <a:p>
+            <a:pPr marL="742950" lvl="1" indent="-285750">
+              <a:buFont typeface="Arial" panose="020B0604020202020204" pitchFamily="34" charset="0"/>
+              <a:buChar char="•"/>
+            </a:pPr>
+            <a:r>
+              <a:rPr lang="en-US" sz="1600" dirty="0"/>
+              <a:t> the materials used to make the foam (Aluminum, Copper, </a:t>
             </a:r>
             <a:r>
-              <a:rPr lang="en-US" dirty="0" err="1"/>
+              <a:rPr lang="en-US" sz="1600" dirty="0" err="1"/>
               <a:t>etc</a:t>
             </a:r>
             <a:r>
-              <a:rPr lang="en-US" dirty="0"/>
-              <a:t>), and materials properties (e.g. strength, elasticity, conductivity), that were tested by the authors. </a:t>
+              <a:rPr lang="en-US" sz="1600" dirty="0"/>
+              <a:t>), and </a:t>
+            </a:r>
+          </a:p>
+          <a:p>
+            <a:pPr marL="742950" lvl="1" indent="-285750">
+              <a:buFont typeface="Arial" panose="020B0604020202020204" pitchFamily="34" charset="0"/>
+              <a:buChar char="•"/>
+            </a:pPr>
+            <a:endParaRPr lang="en-US" sz="1600" dirty="0"/>
+          </a:p>
+          <a:p>
+            <a:pPr marL="742950" lvl="1" indent="-285750">
+              <a:buFont typeface="Arial" panose="020B0604020202020204" pitchFamily="34" charset="0"/>
+              <a:buChar char="•"/>
+            </a:pPr>
+            <a:r>
+              <a:rPr lang="en-US" sz="1600" dirty="0"/>
+              <a:t>The materials properties (e.g. strength, elasticity, conductivity), that were tested by the authors. </a:t>
             </a:r>
           </a:p>
           <a:p>
@@ -22027,15 +22049,6 @@
               </a:rPr>
               <a:t>. </a:t>
             </a:r>
-          </a:p>
-          <a:p>
-            <a:endParaRPr lang="en-US" b="0" i="0" dirty="0">
-              <a:solidFill>
-                <a:srgbClr val="333333"/>
-              </a:solidFill>
-              <a:effectLst/>
-              <a:latin typeface="Helvetica Neue"/>
-            </a:endParaRPr>
           </a:p>
         </p:txBody>
       </p:sp>
@@ -22241,9 +22254,10 @@
           <a:lstStyle/>
           <a:p>
             <a:r>
-              <a:rPr lang="en-US" dirty="0"/>
-              <a:t>Publication timeline with Citations</a:t>
+              <a:rPr lang="en-US"/>
+              <a:t>Competitive Analysis</a:t>
             </a:r>
+            <a:endParaRPr lang="en-US" dirty="0"/>
           </a:p>
         </p:txBody>
       </p:sp>
@@ -22311,7 +22325,7 @@
           <a:p>
             <a:r>
               <a:rPr lang="en-US" dirty="0"/>
-              <a:t>This interactive bubble chart shows the evolution of research interest in metal foams, over time. The number of citations by others indicates the importance of the articles content. Ground-breaking articles may have hundreds or even thousands of citations. </a:t>
+              <a:t>The Publication Timeline shows evolution of research interest in metal foams, over time. The number of citations by others indicates the importance of the articles content. Ground-breaking articles may have hundreds or even thousands of citations. </a:t>
             </a:r>
           </a:p>
         </p:txBody>

--- a/Project 2 Presentation.pptx
+++ b/Project 2 Presentation.pptx
@@ -5,15 +5,16 @@
     <p:sldMasterId id="2147483696" r:id="rId1"/>
   </p:sldMasterIdLst>
   <p:notesMasterIdLst>
-    <p:notesMasterId r:id="rId8"/>
+    <p:notesMasterId r:id="rId9"/>
   </p:notesMasterIdLst>
   <p:sldIdLst>
     <p:sldId id="272" r:id="rId2"/>
     <p:sldId id="273" r:id="rId3"/>
     <p:sldId id="286" r:id="rId4"/>
-    <p:sldId id="284" r:id="rId5"/>
-    <p:sldId id="287" r:id="rId6"/>
-    <p:sldId id="283" r:id="rId7"/>
+    <p:sldId id="288" r:id="rId5"/>
+    <p:sldId id="284" r:id="rId6"/>
+    <p:sldId id="287" r:id="rId7"/>
+    <p:sldId id="283" r:id="rId8"/>
   </p:sldIdLst>
   <p:sldSz cx="12192000" cy="6858000"/>
   <p:notesSz cx="6858000" cy="9144000"/>
@@ -21602,7 +21603,7 @@
             </a:pPr>
             <a:r>
               <a:rPr lang="en-US" sz="1600" dirty="0"/>
-              <a:t>Has ser-driven interaction (e.g. menus, dropdowns, textboxes, etc.). </a:t>
+              <a:t>Has User-driven interaction (e.g. menus, dropdowns, textboxes, etc.). </a:t>
             </a:r>
             <a:r>
               <a:rPr lang="en-US" sz="1600" b="1" dirty="0"/>
@@ -21902,6 +21903,366 @@
             <p:ph type="title"/>
           </p:nvPr>
         </p:nvSpPr>
+        <p:spPr/>
+        <p:txBody>
+          <a:bodyPr>
+            <a:normAutofit/>
+          </a:bodyPr>
+          <a:lstStyle/>
+          <a:p>
+            <a:r>
+              <a:rPr lang="en-US" sz="3600" dirty="0"/>
+              <a:t>Process and Tools</a:t>
+            </a:r>
+          </a:p>
+        </p:txBody>
+      </p:sp>
+      <p:sp>
+        <p:nvSpPr>
+          <p:cNvPr id="2" name="Content Placeholder 1"/>
+          <p:cNvSpPr>
+            <a:spLocks noGrp="1"/>
+          </p:cNvSpPr>
+          <p:nvPr>
+            <p:ph idx="1"/>
+          </p:nvPr>
+        </p:nvSpPr>
+        <p:spPr>
+          <a:xfrm>
+            <a:off x="1071032" y="1722968"/>
+            <a:ext cx="10329101" cy="4751352"/>
+          </a:xfrm>
+        </p:spPr>
+        <p:txBody>
+          <a:bodyPr>
+            <a:normAutofit/>
+          </a:bodyPr>
+          <a:lstStyle/>
+          <a:p>
+            <a:pPr marL="342900" lvl="0" indent="-342900">
+              <a:lnSpc>
+                <a:spcPct val="100000"/>
+              </a:lnSpc>
+              <a:spcBef>
+                <a:spcPts val="0"/>
+              </a:spcBef>
+              <a:buAutoNum type="arabicPeriod"/>
+            </a:pPr>
+            <a:r>
+              <a:rPr lang="en-US" sz="1600" dirty="0"/>
+              <a:t>Acquisition of publication information:  Beautiful Soup on Google Scholar into CSVs</a:t>
+            </a:r>
+          </a:p>
+          <a:p>
+            <a:pPr lvl="2">
+              <a:lnSpc>
+                <a:spcPct val="100000"/>
+              </a:lnSpc>
+              <a:spcBef>
+                <a:spcPts val="0"/>
+              </a:spcBef>
+            </a:pPr>
+            <a:r>
+              <a:rPr lang="en-US" sz="1200" dirty="0"/>
+              <a:t>Author list</a:t>
+            </a:r>
+          </a:p>
+          <a:p>
+            <a:pPr lvl="2">
+              <a:lnSpc>
+                <a:spcPct val="100000"/>
+              </a:lnSpc>
+              <a:spcBef>
+                <a:spcPts val="0"/>
+              </a:spcBef>
+            </a:pPr>
+            <a:r>
+              <a:rPr lang="en-US" sz="1200" dirty="0"/>
+              <a:t>Title</a:t>
+            </a:r>
+          </a:p>
+          <a:p>
+            <a:pPr lvl="2">
+              <a:lnSpc>
+                <a:spcPct val="100000"/>
+              </a:lnSpc>
+              <a:spcBef>
+                <a:spcPts val="0"/>
+              </a:spcBef>
+            </a:pPr>
+            <a:r>
+              <a:rPr lang="en-US" sz="1200" dirty="0"/>
+              <a:t>Abstract </a:t>
+            </a:r>
+          </a:p>
+          <a:p>
+            <a:pPr lvl="2">
+              <a:lnSpc>
+                <a:spcPct val="100000"/>
+              </a:lnSpc>
+              <a:spcBef>
+                <a:spcPts val="0"/>
+              </a:spcBef>
+            </a:pPr>
+            <a:r>
+              <a:rPr lang="en-US" sz="1200" dirty="0"/>
+              <a:t>Citations</a:t>
+            </a:r>
+          </a:p>
+          <a:p>
+            <a:pPr lvl="2">
+              <a:lnSpc>
+                <a:spcPct val="100000"/>
+              </a:lnSpc>
+              <a:spcBef>
+                <a:spcPts val="0"/>
+              </a:spcBef>
+            </a:pPr>
+            <a:r>
+              <a:rPr lang="en-US" sz="1200" dirty="0"/>
+              <a:t>Date of Publication</a:t>
+            </a:r>
+          </a:p>
+          <a:p>
+            <a:pPr marL="0" lvl="0" indent="0">
+              <a:lnSpc>
+                <a:spcPct val="100000"/>
+              </a:lnSpc>
+              <a:spcBef>
+                <a:spcPts val="0"/>
+              </a:spcBef>
+              <a:buNone/>
+            </a:pPr>
+            <a:endParaRPr lang="en-US" sz="1600" dirty="0"/>
+          </a:p>
+          <a:p>
+            <a:pPr marL="342900" lvl="0" indent="-342900">
+              <a:lnSpc>
+                <a:spcPct val="100000"/>
+              </a:lnSpc>
+              <a:spcBef>
+                <a:spcPts val="0"/>
+              </a:spcBef>
+              <a:buAutoNum type="arabicPeriod"/>
+            </a:pPr>
+            <a:r>
+              <a:rPr lang="en-US" sz="1600" dirty="0"/>
+              <a:t>Data Cleaning : Python Pandas, NumPy, Re into CSVs</a:t>
+            </a:r>
+          </a:p>
+          <a:p>
+            <a:pPr lvl="2">
+              <a:lnSpc>
+                <a:spcPct val="100000"/>
+              </a:lnSpc>
+              <a:spcBef>
+                <a:spcPts val="0"/>
+              </a:spcBef>
+            </a:pPr>
+            <a:r>
+              <a:rPr lang="en-US" sz="1200" dirty="0"/>
+              <a:t>Removing non-ASCII characters</a:t>
+            </a:r>
+          </a:p>
+          <a:p>
+            <a:pPr lvl="2">
+              <a:lnSpc>
+                <a:spcPct val="100000"/>
+              </a:lnSpc>
+              <a:spcBef>
+                <a:spcPts val="0"/>
+              </a:spcBef>
+            </a:pPr>
+            <a:r>
+              <a:rPr lang="en-US" sz="1200" dirty="0"/>
+              <a:t>Using Regex to establish tags for each publication</a:t>
+            </a:r>
+          </a:p>
+          <a:p>
+            <a:pPr lvl="2">
+              <a:lnSpc>
+                <a:spcPct val="100000"/>
+              </a:lnSpc>
+              <a:spcBef>
+                <a:spcPts val="0"/>
+              </a:spcBef>
+            </a:pPr>
+            <a:r>
+              <a:rPr lang="en-US" sz="1200" dirty="0"/>
+              <a:t>Creating appropriate labelling</a:t>
+            </a:r>
+          </a:p>
+          <a:p>
+            <a:pPr marL="342900" lvl="0" indent="-342900">
+              <a:lnSpc>
+                <a:spcPct val="100000"/>
+              </a:lnSpc>
+              <a:spcBef>
+                <a:spcPts val="0"/>
+              </a:spcBef>
+              <a:buAutoNum type="arabicPeriod"/>
+            </a:pPr>
+            <a:endParaRPr lang="en-US" sz="1600" dirty="0"/>
+          </a:p>
+          <a:p>
+            <a:pPr marL="342900" lvl="0" indent="-342900">
+              <a:lnSpc>
+                <a:spcPct val="100000"/>
+              </a:lnSpc>
+              <a:spcBef>
+                <a:spcPts val="0"/>
+              </a:spcBef>
+              <a:buAutoNum type="arabicPeriod"/>
+            </a:pPr>
+            <a:r>
+              <a:rPr lang="en-US" sz="1600" dirty="0"/>
+              <a:t>Creating the Dashboard - Data Analysis and Visualization</a:t>
+            </a:r>
+          </a:p>
+          <a:p>
+            <a:pPr lvl="2">
+              <a:lnSpc>
+                <a:spcPct val="100000"/>
+              </a:lnSpc>
+              <a:spcBef>
+                <a:spcPts val="0"/>
+              </a:spcBef>
+            </a:pPr>
+            <a:r>
+              <a:rPr lang="en-US" sz="1200" dirty="0"/>
+              <a:t>HTML / </a:t>
+            </a:r>
+            <a:r>
+              <a:rPr lang="en-US" sz="1200" dirty="0" err="1"/>
+              <a:t>Javascript</a:t>
+            </a:r>
+            <a:r>
+              <a:rPr lang="en-US" sz="1200" dirty="0"/>
+              <a:t> /Bootstrap</a:t>
+            </a:r>
+          </a:p>
+          <a:p>
+            <a:pPr lvl="2">
+              <a:lnSpc>
+                <a:spcPct val="100000"/>
+              </a:lnSpc>
+              <a:spcBef>
+                <a:spcPts val="0"/>
+              </a:spcBef>
+            </a:pPr>
+            <a:r>
+              <a:rPr lang="en-US" sz="1200" dirty="0"/>
+              <a:t>Flask</a:t>
+            </a:r>
+          </a:p>
+          <a:p>
+            <a:pPr lvl="2">
+              <a:lnSpc>
+                <a:spcPct val="100000"/>
+              </a:lnSpc>
+              <a:spcBef>
+                <a:spcPts val="0"/>
+              </a:spcBef>
+            </a:pPr>
+            <a:r>
+              <a:rPr lang="en-US" sz="1200" dirty="0" err="1"/>
+              <a:t>Plotly</a:t>
+            </a:r>
+            <a:endParaRPr lang="en-US" sz="1200" dirty="0"/>
+          </a:p>
+          <a:p>
+            <a:pPr lvl="2">
+              <a:lnSpc>
+                <a:spcPct val="100000"/>
+              </a:lnSpc>
+              <a:spcBef>
+                <a:spcPts val="0"/>
+              </a:spcBef>
+            </a:pPr>
+            <a:r>
+              <a:rPr lang="en-US" sz="1200" dirty="0"/>
+              <a:t>D3.js</a:t>
+            </a:r>
+          </a:p>
+          <a:p>
+            <a:pPr lvl="2">
+              <a:lnSpc>
+                <a:spcPct val="100000"/>
+              </a:lnSpc>
+              <a:spcBef>
+                <a:spcPts val="0"/>
+              </a:spcBef>
+            </a:pPr>
+            <a:r>
+              <a:rPr lang="en-US" sz="1200" dirty="0"/>
+              <a:t>Chart.js</a:t>
+            </a:r>
+          </a:p>
+          <a:p>
+            <a:pPr lvl="1">
+              <a:lnSpc>
+                <a:spcPct val="100000"/>
+              </a:lnSpc>
+              <a:spcBef>
+                <a:spcPts val="0"/>
+              </a:spcBef>
+            </a:pPr>
+            <a:endParaRPr lang="en-US" sz="1600" dirty="0"/>
+          </a:p>
+        </p:txBody>
+      </p:sp>
+    </p:spTree>
+    <p:extLst>
+      <p:ext uri="{BB962C8B-B14F-4D97-AF65-F5344CB8AC3E}">
+        <p14:creationId xmlns:p14="http://schemas.microsoft.com/office/powerpoint/2010/main" val="2971217199"/>
+      </p:ext>
+    </p:extLst>
+  </p:cSld>
+  <p:clrMapOvr>
+    <a:masterClrMapping/>
+  </p:clrMapOvr>
+  <mc:AlternateContent xmlns:mc="http://schemas.openxmlformats.org/markup-compatibility/2006" xmlns:p14="http://schemas.microsoft.com/office/powerpoint/2010/main">
+    <mc:Choice Requires="p14">
+      <p:transition spd="med" p14:dur="700">
+        <p:fade/>
+      </p:transition>
+    </mc:Choice>
+    <mc:Fallback xmlns="">
+      <p:transition spd="med">
+        <p:fade/>
+      </p:transition>
+    </mc:Fallback>
+  </mc:AlternateContent>
+</p:sld>
+</file>
+
+<file path=ppt/slides/slide5.xml><?xml version="1.0" encoding="utf-8"?>
+<p:sld xmlns:a="http://schemas.openxmlformats.org/drawingml/2006/main" xmlns:r="http://schemas.openxmlformats.org/officeDocument/2006/relationships" xmlns:p="http://schemas.openxmlformats.org/presentationml/2006/main">
+  <p:cSld>
+    <p:spTree>
+      <p:nvGrpSpPr>
+        <p:cNvPr id="1" name=""/>
+        <p:cNvGrpSpPr/>
+        <p:nvPr/>
+      </p:nvGrpSpPr>
+      <p:grpSpPr>
+        <a:xfrm>
+          <a:off x="0" y="0"/>
+          <a:ext cx="0" cy="0"/>
+          <a:chOff x="0" y="0"/>
+          <a:chExt cx="0" cy="0"/>
+        </a:xfrm>
+      </p:grpSpPr>
+      <p:sp>
+        <p:nvSpPr>
+          <p:cNvPr id="3" name="Title 2"/>
+          <p:cNvSpPr>
+            <a:spLocks noGrp="1"/>
+          </p:cNvSpPr>
+          <p:nvPr>
+            <p:ph type="title"/>
+          </p:nvPr>
+        </p:nvSpPr>
         <p:spPr>
           <a:xfrm>
             <a:off x="897466" y="712555"/>
@@ -22077,7 +22438,7 @@
 </p:sld>
 </file>
 
-<file path=ppt/slides/slide5.xml><?xml version="1.0" encoding="utf-8"?>
+<file path=ppt/slides/slide6.xml><?xml version="1.0" encoding="utf-8"?>
 <p:sld xmlns:a="http://schemas.openxmlformats.org/drawingml/2006/main" xmlns:r="http://schemas.openxmlformats.org/officeDocument/2006/relationships" xmlns:p="http://schemas.openxmlformats.org/presentationml/2006/main">
   <p:cSld>
     <p:spTree>
@@ -22216,7 +22577,7 @@
 </p:sld>
 </file>
 
-<file path=ppt/slides/slide6.xml><?xml version="1.0" encoding="utf-8"?>
+<file path=ppt/slides/slide7.xml><?xml version="1.0" encoding="utf-8"?>
 <p:sld xmlns:a="http://schemas.openxmlformats.org/drawingml/2006/main" xmlns:r="http://schemas.openxmlformats.org/officeDocument/2006/relationships" xmlns:p="http://schemas.openxmlformats.org/presentationml/2006/main">
   <p:cSld>
     <p:spTree>
